--- a/161 - To Us a Child of Hope is Born.pptx
+++ b/161 - To Us a Child of Hope is Born.pptx
@@ -243,7 +243,7 @@
           <a:p>
             <a:fld id="{32F7251A-AE54-443C-B8FE-5F636E835EBF}" type="datetimeFigureOut">
               <a:rPr lang="en-US" smtClean="0"/>
-              <a:t>12/9/2018</a:t>
+              <a:t>8/9/2020</a:t>
             </a:fld>
             <a:endParaRPr lang="en-US"/>
           </a:p>
@@ -411,7 +411,7 @@
           <a:p>
             <a:fld id="{32F7251A-AE54-443C-B8FE-5F636E835EBF}" type="datetimeFigureOut">
               <a:rPr lang="en-US" smtClean="0"/>
-              <a:t>12/9/2018</a:t>
+              <a:t>8/9/2020</a:t>
             </a:fld>
             <a:endParaRPr lang="en-US"/>
           </a:p>
@@ -589,7 +589,7 @@
           <a:p>
             <a:fld id="{32F7251A-AE54-443C-B8FE-5F636E835EBF}" type="datetimeFigureOut">
               <a:rPr lang="en-US" smtClean="0"/>
-              <a:t>12/9/2018</a:t>
+              <a:t>8/9/2020</a:t>
             </a:fld>
             <a:endParaRPr lang="en-US"/>
           </a:p>
@@ -757,7 +757,7 @@
           <a:p>
             <a:fld id="{32F7251A-AE54-443C-B8FE-5F636E835EBF}" type="datetimeFigureOut">
               <a:rPr lang="en-US" smtClean="0"/>
-              <a:t>12/9/2018</a:t>
+              <a:t>8/9/2020</a:t>
             </a:fld>
             <a:endParaRPr lang="en-US"/>
           </a:p>
@@ -1002,7 +1002,7 @@
           <a:p>
             <a:fld id="{32F7251A-AE54-443C-B8FE-5F636E835EBF}" type="datetimeFigureOut">
               <a:rPr lang="en-US" smtClean="0"/>
-              <a:t>12/9/2018</a:t>
+              <a:t>8/9/2020</a:t>
             </a:fld>
             <a:endParaRPr lang="en-US"/>
           </a:p>
@@ -1231,7 +1231,7 @@
           <a:p>
             <a:fld id="{32F7251A-AE54-443C-B8FE-5F636E835EBF}" type="datetimeFigureOut">
               <a:rPr lang="en-US" smtClean="0"/>
-              <a:t>12/9/2018</a:t>
+              <a:t>8/9/2020</a:t>
             </a:fld>
             <a:endParaRPr lang="en-US"/>
           </a:p>
@@ -1595,7 +1595,7 @@
           <a:p>
             <a:fld id="{32F7251A-AE54-443C-B8FE-5F636E835EBF}" type="datetimeFigureOut">
               <a:rPr lang="en-US" smtClean="0"/>
-              <a:t>12/9/2018</a:t>
+              <a:t>8/9/2020</a:t>
             </a:fld>
             <a:endParaRPr lang="en-US"/>
           </a:p>
@@ -1712,7 +1712,7 @@
           <a:p>
             <a:fld id="{32F7251A-AE54-443C-B8FE-5F636E835EBF}" type="datetimeFigureOut">
               <a:rPr lang="en-US" smtClean="0"/>
-              <a:t>12/9/2018</a:t>
+              <a:t>8/9/2020</a:t>
             </a:fld>
             <a:endParaRPr lang="en-US"/>
           </a:p>
@@ -1807,7 +1807,7 @@
           <a:p>
             <a:fld id="{32F7251A-AE54-443C-B8FE-5F636E835EBF}" type="datetimeFigureOut">
               <a:rPr lang="en-US" smtClean="0"/>
-              <a:t>12/9/2018</a:t>
+              <a:t>8/9/2020</a:t>
             </a:fld>
             <a:endParaRPr lang="en-US"/>
           </a:p>
@@ -2082,7 +2082,7 @@
           <a:p>
             <a:fld id="{32F7251A-AE54-443C-B8FE-5F636E835EBF}" type="datetimeFigureOut">
               <a:rPr lang="en-US" smtClean="0"/>
-              <a:t>12/9/2018</a:t>
+              <a:t>8/9/2020</a:t>
             </a:fld>
             <a:endParaRPr lang="en-US"/>
           </a:p>
@@ -2334,7 +2334,7 @@
           <a:p>
             <a:fld id="{32F7251A-AE54-443C-B8FE-5F636E835EBF}" type="datetimeFigureOut">
               <a:rPr lang="en-US" smtClean="0"/>
-              <a:t>12/9/2018</a:t>
+              <a:t>8/9/2020</a:t>
             </a:fld>
             <a:endParaRPr lang="en-US"/>
           </a:p>
@@ -2401,7 +2401,9 @@
     <p:bg>
       <p:bgPr>
         <a:solidFill>
-          <a:srgbClr val="333333"/>
+          <a:schemeClr val="bg1">
+            <a:lumMod val="10000"/>
+          </a:schemeClr>
         </a:solidFill>
         <a:effectLst/>
       </p:bgPr>
@@ -2548,7 +2550,7 @@
           <a:p>
             <a:fld id="{32F7251A-AE54-443C-B8FE-5F636E835EBF}" type="datetimeFigureOut">
               <a:rPr lang="en-US" smtClean="0"/>
-              <a:t>12/9/2018</a:t>
+              <a:t>8/9/2020</a:t>
             </a:fld>
             <a:endParaRPr lang="en-US"/>
           </a:p>
@@ -3018,8 +3020,8 @@
         </p:nvSpPr>
         <p:spPr>
           <a:xfrm>
-            <a:off x="0" y="5804209"/>
-            <a:ext cx="12192000" cy="830997"/>
+            <a:off x="0" y="5927320"/>
+            <a:ext cx="12192000" cy="584775"/>
           </a:xfrm>
           <a:prstGeom prst="rect">
             <a:avLst/>
@@ -3034,10 +3036,12 @@
           <a:p>
             <a:pPr algn="ctr"/>
             <a:r>
-              <a:rPr lang="en-US" sz="4800" dirty="0">
+              <a:rPr lang="en-US" sz="3200" u="sng" dirty="0">
                 <a:solidFill>
                   <a:schemeClr val="bg1"/>
                 </a:solidFill>
+                <a:latin typeface="Assistant SemiBold" panose="00000700000000000000" pitchFamily="2" charset="-79"/>
+                <a:cs typeface="Assistant SemiBold" panose="00000700000000000000" pitchFamily="2" charset="-79"/>
               </a:rPr>
               <a:t>“To Us a Child of Hope is Born”</a:t>
             </a:r>
@@ -3052,8 +3056,8 @@
         </p:nvSpPr>
         <p:spPr>
           <a:xfrm>
-            <a:off x="0" y="632965"/>
-            <a:ext cx="12192000" cy="5812943"/>
+            <a:off x="0" y="1022944"/>
+            <a:ext cx="12192000" cy="3108543"/>
           </a:xfrm>
           <a:prstGeom prst="rect">
             <a:avLst/>
@@ -3068,10 +3072,12 @@
           <a:p>
             <a:pPr algn="ctr"/>
             <a:r>
-              <a:rPr lang="en-US" sz="3600" dirty="0">
+              <a:rPr lang="en-US" sz="2800" spc="50" dirty="0">
                 <a:solidFill>
                   <a:schemeClr val="bg1"/>
                 </a:solidFill>
+                <a:latin typeface="Assistant" panose="00000500000000000000" pitchFamily="2" charset="-79"/>
+                <a:cs typeface="Assistant" panose="00000500000000000000" pitchFamily="2" charset="-79"/>
               </a:rPr>
               <a:t>To us a child of hope is born,</a:t>
             </a:r>
@@ -3079,29 +3085,35 @@
           <a:p>
             <a:pPr algn="ctr"/>
             <a:r>
-              <a:rPr lang="en-US" sz="3600" dirty="0">
+              <a:rPr lang="en-US" sz="2800" spc="50" dirty="0">
                 <a:solidFill>
                   <a:schemeClr val="bg1"/>
                 </a:solidFill>
+                <a:latin typeface="Assistant" panose="00000500000000000000" pitchFamily="2" charset="-79"/>
+                <a:cs typeface="Assistant" panose="00000500000000000000" pitchFamily="2" charset="-79"/>
               </a:rPr>
               <a:t>Unto us a Son is given;</a:t>
             </a:r>
           </a:p>
           <a:p>
             <a:pPr algn="ctr"/>
-            <a:endParaRPr lang="en-US" sz="3600" dirty="0">
+            <a:endParaRPr lang="en-US" sz="2800" spc="50" dirty="0">
               <a:solidFill>
                 <a:schemeClr val="bg1"/>
               </a:solidFill>
+              <a:latin typeface="Assistant" panose="00000500000000000000" pitchFamily="2" charset="-79"/>
+              <a:cs typeface="Assistant" panose="00000500000000000000" pitchFamily="2" charset="-79"/>
             </a:endParaRPr>
           </a:p>
           <a:p>
             <a:pPr algn="ctr"/>
             <a:r>
-              <a:rPr lang="en-US" sz="3600" dirty="0">
+              <a:rPr lang="en-US" sz="2800" spc="50" dirty="0">
                 <a:solidFill>
                   <a:schemeClr val="bg1"/>
                 </a:solidFill>
+                <a:latin typeface="Assistant" panose="00000500000000000000" pitchFamily="2" charset="-79"/>
+                <a:cs typeface="Assistant" panose="00000500000000000000" pitchFamily="2" charset="-79"/>
               </a:rPr>
               <a:t>Him shall the tribes of earth obey,</a:t>
             </a:r>
@@ -3109,10 +3121,12 @@
           <a:p>
             <a:pPr algn="ctr"/>
             <a:r>
-              <a:rPr lang="en-US" sz="3600" dirty="0">
+              <a:rPr lang="en-US" sz="2800" spc="50" dirty="0">
                 <a:solidFill>
                   <a:schemeClr val="bg1"/>
                 </a:solidFill>
+                <a:latin typeface="Assistant" panose="00000500000000000000" pitchFamily="2" charset="-79"/>
+                <a:cs typeface="Assistant" panose="00000500000000000000" pitchFamily="2" charset="-79"/>
               </a:rPr>
               <a:t>Him all the hosts of heaven;</a:t>
             </a:r>
@@ -3120,10 +3134,12 @@
           <a:p>
             <a:pPr algn="ctr"/>
             <a:r>
-              <a:rPr lang="en-US" sz="3600" dirty="0">
+              <a:rPr lang="en-US" sz="2800" spc="50" dirty="0">
                 <a:solidFill>
                   <a:schemeClr val="bg1"/>
                 </a:solidFill>
+                <a:latin typeface="Assistant" panose="00000500000000000000" pitchFamily="2" charset="-79"/>
+                <a:cs typeface="Assistant" panose="00000500000000000000" pitchFamily="2" charset="-79"/>
               </a:rPr>
               <a:t>Him shall the tribes of earth obey,</a:t>
             </a:r>
@@ -3131,10 +3147,12 @@
           <a:p>
             <a:pPr algn="ctr"/>
             <a:r>
-              <a:rPr lang="en-US" sz="3600" dirty="0">
+              <a:rPr lang="en-US" sz="2800" spc="50" dirty="0">
                 <a:solidFill>
                   <a:schemeClr val="bg1"/>
                 </a:solidFill>
+                <a:latin typeface="Assistant" panose="00000500000000000000" pitchFamily="2" charset="-79"/>
+                <a:cs typeface="Assistant" panose="00000500000000000000" pitchFamily="2" charset="-79"/>
               </a:rPr>
               <a:t>Him all the hosts of heaven;</a:t>
             </a:r>
@@ -3236,8 +3254,8 @@
         </p:nvSpPr>
         <p:spPr>
           <a:xfrm>
-            <a:off x="0" y="5804209"/>
-            <a:ext cx="12192000" cy="830997"/>
+            <a:off x="0" y="5927320"/>
+            <a:ext cx="12192000" cy="584775"/>
           </a:xfrm>
           <a:prstGeom prst="rect">
             <a:avLst/>
@@ -3252,10 +3270,12 @@
           <a:p>
             <a:pPr algn="ctr"/>
             <a:r>
-              <a:rPr lang="en-US" sz="4800" dirty="0">
+              <a:rPr lang="en-US" sz="3200" u="sng" dirty="0">
                 <a:solidFill>
                   <a:schemeClr val="bg1"/>
                 </a:solidFill>
+                <a:latin typeface="Assistant SemiBold" panose="00000700000000000000" pitchFamily="2" charset="-79"/>
+                <a:cs typeface="Assistant SemiBold" panose="00000700000000000000" pitchFamily="2" charset="-79"/>
               </a:rPr>
               <a:t>“To Us a Child of Hope is Born”</a:t>
             </a:r>
@@ -3270,8 +3290,8 @@
         </p:nvSpPr>
         <p:spPr>
           <a:xfrm>
-            <a:off x="0" y="632965"/>
-            <a:ext cx="12192000" cy="5812943"/>
+            <a:off x="0" y="955695"/>
+            <a:ext cx="12192000" cy="3108543"/>
           </a:xfrm>
           <a:prstGeom prst="rect">
             <a:avLst/>
@@ -3286,10 +3306,12 @@
           <a:p>
             <a:pPr algn="ctr"/>
             <a:r>
-              <a:rPr lang="en-US" sz="3600" dirty="0">
+              <a:rPr lang="en-US" sz="2800" spc="50" dirty="0">
                 <a:solidFill>
                   <a:schemeClr val="bg1"/>
                 </a:solidFill>
+                <a:latin typeface="Assistant" panose="00000500000000000000" pitchFamily="2" charset="-79"/>
+                <a:cs typeface="Assistant" panose="00000500000000000000" pitchFamily="2" charset="-79"/>
               </a:rPr>
               <a:t>His name shall be the Prince of Peace,</a:t>
             </a:r>
@@ -3297,29 +3319,35 @@
           <a:p>
             <a:pPr algn="ctr"/>
             <a:r>
-              <a:rPr lang="en-US" sz="3600" dirty="0">
+              <a:rPr lang="en-US" sz="2800" spc="50" dirty="0">
                 <a:solidFill>
                   <a:schemeClr val="bg1"/>
                 </a:solidFill>
+                <a:latin typeface="Assistant" panose="00000500000000000000" pitchFamily="2" charset="-79"/>
+                <a:cs typeface="Assistant" panose="00000500000000000000" pitchFamily="2" charset="-79"/>
               </a:rPr>
               <a:t>Forevermore adored,</a:t>
             </a:r>
           </a:p>
           <a:p>
             <a:pPr algn="ctr"/>
-            <a:endParaRPr lang="en-US" sz="3600" dirty="0">
+            <a:endParaRPr lang="en-US" sz="2800" spc="50" dirty="0">
               <a:solidFill>
                 <a:schemeClr val="bg1"/>
               </a:solidFill>
+              <a:latin typeface="Assistant" panose="00000500000000000000" pitchFamily="2" charset="-79"/>
+              <a:cs typeface="Assistant" panose="00000500000000000000" pitchFamily="2" charset="-79"/>
             </a:endParaRPr>
           </a:p>
           <a:p>
             <a:pPr algn="ctr"/>
             <a:r>
-              <a:rPr lang="en-US" sz="3600" dirty="0">
+              <a:rPr lang="en-US" sz="2800" spc="50" dirty="0">
                 <a:solidFill>
                   <a:schemeClr val="bg1"/>
                 </a:solidFill>
+                <a:latin typeface="Assistant" panose="00000500000000000000" pitchFamily="2" charset="-79"/>
+                <a:cs typeface="Assistant" panose="00000500000000000000" pitchFamily="2" charset="-79"/>
               </a:rPr>
               <a:t>The Wonderful, the Counselor,</a:t>
             </a:r>
@@ -3327,10 +3355,12 @@
           <a:p>
             <a:pPr algn="ctr"/>
             <a:r>
-              <a:rPr lang="en-US" sz="3600" dirty="0">
+              <a:rPr lang="en-US" sz="2800" spc="50" dirty="0">
                 <a:solidFill>
                   <a:schemeClr val="bg1"/>
                 </a:solidFill>
+                <a:latin typeface="Assistant" panose="00000500000000000000" pitchFamily="2" charset="-79"/>
+                <a:cs typeface="Assistant" panose="00000500000000000000" pitchFamily="2" charset="-79"/>
               </a:rPr>
               <a:t>The great and mighty Lord;</a:t>
             </a:r>
@@ -3338,10 +3368,12 @@
           <a:p>
             <a:pPr algn="ctr"/>
             <a:r>
-              <a:rPr lang="en-US" sz="3600" dirty="0">
+              <a:rPr lang="en-US" sz="2800" spc="50" dirty="0">
                 <a:solidFill>
                   <a:schemeClr val="bg1"/>
                 </a:solidFill>
+                <a:latin typeface="Assistant" panose="00000500000000000000" pitchFamily="2" charset="-79"/>
+                <a:cs typeface="Assistant" panose="00000500000000000000" pitchFamily="2" charset="-79"/>
               </a:rPr>
               <a:t>The Wonderful, the Counselor,</a:t>
             </a:r>
@@ -3349,10 +3381,12 @@
           <a:p>
             <a:pPr algn="ctr"/>
             <a:r>
-              <a:rPr lang="en-US" sz="3600" dirty="0">
+              <a:rPr lang="en-US" sz="2800" spc="50" dirty="0">
                 <a:solidFill>
                   <a:schemeClr val="bg1"/>
                 </a:solidFill>
+                <a:latin typeface="Assistant" panose="00000500000000000000" pitchFamily="2" charset="-79"/>
+                <a:cs typeface="Assistant" panose="00000500000000000000" pitchFamily="2" charset="-79"/>
               </a:rPr>
               <a:t>The great and mighty Lord;</a:t>
             </a:r>
@@ -3454,8 +3488,8 @@
         </p:nvSpPr>
         <p:spPr>
           <a:xfrm>
-            <a:off x="0" y="5804209"/>
-            <a:ext cx="12192000" cy="830997"/>
+            <a:off x="0" y="5927320"/>
+            <a:ext cx="12192000" cy="584775"/>
           </a:xfrm>
           <a:prstGeom prst="rect">
             <a:avLst/>
@@ -3470,10 +3504,12 @@
           <a:p>
             <a:pPr algn="ctr"/>
             <a:r>
-              <a:rPr lang="en-US" sz="4800" dirty="0">
+              <a:rPr lang="en-US" sz="3200" u="sng" dirty="0">
                 <a:solidFill>
                   <a:schemeClr val="bg1"/>
                 </a:solidFill>
+                <a:latin typeface="Assistant SemiBold" panose="00000700000000000000" pitchFamily="2" charset="-79"/>
+                <a:cs typeface="Assistant SemiBold" panose="00000700000000000000" pitchFamily="2" charset="-79"/>
               </a:rPr>
               <a:t>“To Us a Child of Hope is Born”</a:t>
             </a:r>
@@ -3488,8 +3524,8 @@
         </p:nvSpPr>
         <p:spPr>
           <a:xfrm>
-            <a:off x="0" y="632965"/>
-            <a:ext cx="12192000" cy="5812943"/>
+            <a:off x="0" y="1022944"/>
+            <a:ext cx="12192000" cy="3108543"/>
           </a:xfrm>
           <a:prstGeom prst="rect">
             <a:avLst/>
@@ -3504,10 +3540,12 @@
           <a:p>
             <a:pPr algn="ctr"/>
             <a:r>
-              <a:rPr lang="en-US" sz="3600" dirty="0">
+              <a:rPr lang="en-US" sz="2800" spc="50" dirty="0">
                 <a:solidFill>
                   <a:schemeClr val="bg1"/>
                 </a:solidFill>
+                <a:latin typeface="Assistant" panose="00000500000000000000" pitchFamily="2" charset="-79"/>
+                <a:cs typeface="Assistant" panose="00000500000000000000" pitchFamily="2" charset="-79"/>
               </a:rPr>
               <a:t>His power, increasing still, shall spread,</a:t>
             </a:r>
@@ -3515,29 +3553,35 @@
           <a:p>
             <a:pPr algn="ctr"/>
             <a:r>
-              <a:rPr lang="en-US" sz="3600" dirty="0">
+              <a:rPr lang="en-US" sz="2800" spc="50" dirty="0">
                 <a:solidFill>
                   <a:schemeClr val="bg1"/>
                 </a:solidFill>
+                <a:latin typeface="Assistant" panose="00000500000000000000" pitchFamily="2" charset="-79"/>
+                <a:cs typeface="Assistant" panose="00000500000000000000" pitchFamily="2" charset="-79"/>
               </a:rPr>
               <a:t>His reign no end shall know;</a:t>
             </a:r>
           </a:p>
           <a:p>
             <a:pPr algn="ctr"/>
-            <a:endParaRPr lang="en-US" sz="3600" dirty="0">
+            <a:endParaRPr lang="en-US" sz="2800" spc="50" dirty="0">
               <a:solidFill>
                 <a:schemeClr val="bg1"/>
               </a:solidFill>
+              <a:latin typeface="Assistant" panose="00000500000000000000" pitchFamily="2" charset="-79"/>
+              <a:cs typeface="Assistant" panose="00000500000000000000" pitchFamily="2" charset="-79"/>
             </a:endParaRPr>
           </a:p>
           <a:p>
             <a:pPr algn="ctr"/>
             <a:r>
-              <a:rPr lang="en-US" sz="3600" dirty="0">
+              <a:rPr lang="en-US" sz="2800" spc="50" dirty="0">
                 <a:solidFill>
                   <a:schemeClr val="bg1"/>
                 </a:solidFill>
+                <a:latin typeface="Assistant" panose="00000500000000000000" pitchFamily="2" charset="-79"/>
+                <a:cs typeface="Assistant" panose="00000500000000000000" pitchFamily="2" charset="-79"/>
               </a:rPr>
               <a:t>Justice shall guard His throne above,</a:t>
             </a:r>
@@ -3545,10 +3589,12 @@
           <a:p>
             <a:pPr algn="ctr"/>
             <a:r>
-              <a:rPr lang="en-US" sz="3600" dirty="0">
+              <a:rPr lang="en-US" sz="2800" spc="50" dirty="0">
                 <a:solidFill>
                   <a:schemeClr val="bg1"/>
                 </a:solidFill>
+                <a:latin typeface="Assistant" panose="00000500000000000000" pitchFamily="2" charset="-79"/>
+                <a:cs typeface="Assistant" panose="00000500000000000000" pitchFamily="2" charset="-79"/>
               </a:rPr>
               <a:t>And peace abound below;</a:t>
             </a:r>
@@ -3556,10 +3602,12 @@
           <a:p>
             <a:pPr algn="ctr"/>
             <a:r>
-              <a:rPr lang="en-US" sz="3600" dirty="0">
+              <a:rPr lang="en-US" sz="2800" spc="50" dirty="0">
                 <a:solidFill>
                   <a:schemeClr val="bg1"/>
                 </a:solidFill>
+                <a:latin typeface="Assistant" panose="00000500000000000000" pitchFamily="2" charset="-79"/>
+                <a:cs typeface="Assistant" panose="00000500000000000000" pitchFamily="2" charset="-79"/>
               </a:rPr>
               <a:t>Justice shall guard His throne above,</a:t>
             </a:r>
@@ -3567,10 +3615,12 @@
           <a:p>
             <a:pPr algn="ctr"/>
             <a:r>
-              <a:rPr lang="en-US" sz="3600" dirty="0">
+              <a:rPr lang="en-US" sz="2800" spc="50" dirty="0">
                 <a:solidFill>
                   <a:schemeClr val="bg1"/>
                 </a:solidFill>
+                <a:latin typeface="Assistant" panose="00000500000000000000" pitchFamily="2" charset="-79"/>
+                <a:cs typeface="Assistant" panose="00000500000000000000" pitchFamily="2" charset="-79"/>
               </a:rPr>
               <a:t>And peace abound below;</a:t>
             </a:r>
